--- a/LabBook_10.pptx
+++ b/LabBook_10.pptx
@@ -5278,6 +5278,66 @@
           </a:p>
         </p:txBody>
       </p:sp>
+      <p:pic>
+        <p:nvPicPr>
+          <p:cNvPr id="7" name="Imagen 6">
+            <a:extLst>
+              <a:ext uri="{FF2B5EF4-FFF2-40B4-BE49-F238E27FC236}">
+                <a16:creationId xmlns:a16="http://schemas.microsoft.com/office/drawing/2014/main" id="{53B8B484-C556-BA90-FDD3-7B5571C4C559}"/>
+              </a:ext>
+            </a:extLst>
+          </p:cNvPr>
+          <p:cNvPicPr>
+            <a:picLocks noChangeAspect="1"/>
+          </p:cNvPicPr>
+          <p:nvPr/>
+        </p:nvPicPr>
+        <p:blipFill>
+          <a:blip r:embed="rId5"/>
+          <a:stretch>
+            <a:fillRect/>
+          </a:stretch>
+        </p:blipFill>
+        <p:spPr>
+          <a:xfrm>
+            <a:off x="162527" y="1462355"/>
+            <a:ext cx="5812374" cy="3161824"/>
+          </a:xfrm>
+          <a:prstGeom prst="rect">
+            <a:avLst/>
+          </a:prstGeom>
+        </p:spPr>
+      </p:pic>
+      <p:pic>
+        <p:nvPicPr>
+          <p:cNvPr id="11" name="Imagen 10">
+            <a:extLst>
+              <a:ext uri="{FF2B5EF4-FFF2-40B4-BE49-F238E27FC236}">
+                <a16:creationId xmlns:a16="http://schemas.microsoft.com/office/drawing/2014/main" id="{11E23C9E-53C7-5B9F-A370-894221BF9071}"/>
+              </a:ext>
+            </a:extLst>
+          </p:cNvPr>
+          <p:cNvPicPr>
+            <a:picLocks noChangeAspect="1"/>
+          </p:cNvPicPr>
+          <p:nvPr/>
+        </p:nvPicPr>
+        <p:blipFill>
+          <a:blip r:embed="rId6"/>
+          <a:stretch>
+            <a:fillRect/>
+          </a:stretch>
+        </p:blipFill>
+        <p:spPr>
+          <a:xfrm>
+            <a:off x="6070010" y="1462355"/>
+            <a:ext cx="5959857" cy="3212308"/>
+          </a:xfrm>
+          <a:prstGeom prst="rect">
+            <a:avLst/>
+          </a:prstGeom>
+        </p:spPr>
+      </p:pic>
     </p:spTree>
     <p:extLst>
       <p:ext uri="{BB962C8B-B14F-4D97-AF65-F5344CB8AC3E}">
@@ -5672,6 +5732,36 @@
           </a:p>
         </p:txBody>
       </p:sp>
+      <p:pic>
+        <p:nvPicPr>
+          <p:cNvPr id="5" name="Imagen 4">
+            <a:extLst>
+              <a:ext uri="{FF2B5EF4-FFF2-40B4-BE49-F238E27FC236}">
+                <a16:creationId xmlns:a16="http://schemas.microsoft.com/office/drawing/2014/main" id="{7F4EB84E-6C9F-7354-8A57-423659699CD3}"/>
+              </a:ext>
+            </a:extLst>
+          </p:cNvPr>
+          <p:cNvPicPr>
+            <a:picLocks noChangeAspect="1"/>
+          </p:cNvPicPr>
+          <p:nvPr/>
+        </p:nvPicPr>
+        <p:blipFill>
+          <a:blip r:embed="rId5"/>
+          <a:stretch>
+            <a:fillRect/>
+          </a:stretch>
+        </p:blipFill>
+        <p:spPr>
+          <a:xfrm>
+            <a:off x="3352800" y="1352464"/>
+            <a:ext cx="5905500" cy="3437845"/>
+          </a:xfrm>
+          <a:prstGeom prst="rect">
+            <a:avLst/>
+          </a:prstGeom>
+        </p:spPr>
+      </p:pic>
     </p:spTree>
     <p:extLst>
       <p:ext uri="{BB962C8B-B14F-4D97-AF65-F5344CB8AC3E}">
@@ -5708,8 +5798,8 @@
           <a:chExt cx="0" cy="0"/>
         </a:xfrm>
       </p:grpSpPr>
-      <mc:AlternateContent xmlns:mc="http://schemas.openxmlformats.org/markup-compatibility/2006">
-        <mc:Choice xmlns:a14="http://schemas.microsoft.com/office/drawing/2010/main" Requires="a14">
+      <mc:AlternateContent xmlns:mc="http://schemas.openxmlformats.org/markup-compatibility/2006" xmlns:a14="http://schemas.microsoft.com/office/drawing/2010/main">
+        <mc:Choice Requires="a14">
           <p:sp>
             <p:nvSpPr>
               <p:cNvPr id="16" name="object 16">
@@ -6036,7 +6126,7 @@
             </p:txBody>
           </p:sp>
         </mc:Choice>
-        <mc:Fallback>
+        <mc:Fallback xmlns="">
           <p:sp>
             <p:nvSpPr>
               <p:cNvPr id="16" name="object 16">

--- a/LabBook_10.pptx
+++ b/LabBook_10.pptx
@@ -7233,6 +7233,126 @@
           </a:p>
         </p:txBody>
       </p:sp>
+      <p:pic>
+        <p:nvPicPr>
+          <p:cNvPr id="7" name="Imagen 6" descr="Gráfico, Gráfico de líneas&#10;&#10;El contenido generado por IA puede ser incorrecto.">
+            <a:extLst>
+              <a:ext uri="{FF2B5EF4-FFF2-40B4-BE49-F238E27FC236}">
+                <a16:creationId xmlns:a16="http://schemas.microsoft.com/office/drawing/2014/main" id="{FA151698-727C-8583-9AE5-D6B9E8F5C752}"/>
+              </a:ext>
+            </a:extLst>
+          </p:cNvPr>
+          <p:cNvPicPr>
+            <a:picLocks noChangeAspect="1"/>
+          </p:cNvPicPr>
+          <p:nvPr/>
+        </p:nvPicPr>
+        <p:blipFill>
+          <a:blip r:embed="rId9"/>
+          <a:stretch>
+            <a:fillRect/>
+          </a:stretch>
+        </p:blipFill>
+        <p:spPr>
+          <a:xfrm>
+            <a:off x="5910262" y="1411368"/>
+            <a:ext cx="6205538" cy="3411231"/>
+          </a:xfrm>
+          <a:prstGeom prst="rect">
+            <a:avLst/>
+          </a:prstGeom>
+        </p:spPr>
+      </p:pic>
+      <p:pic>
+        <p:nvPicPr>
+          <p:cNvPr id="12" name="Imagen 11" descr="Gráfico, Gráfico de líneas&#10;&#10;El contenido generado por IA puede ser incorrecto.">
+            <a:extLst>
+              <a:ext uri="{FF2B5EF4-FFF2-40B4-BE49-F238E27FC236}">
+                <a16:creationId xmlns:a16="http://schemas.microsoft.com/office/drawing/2014/main" id="{F1EC07EE-FA51-FF37-4903-6D50F621B2F4}"/>
+              </a:ext>
+            </a:extLst>
+          </p:cNvPr>
+          <p:cNvPicPr>
+            <a:picLocks noChangeAspect="1"/>
+          </p:cNvPicPr>
+          <p:nvPr/>
+        </p:nvPicPr>
+        <p:blipFill>
+          <a:blip r:embed="rId10"/>
+          <a:stretch>
+            <a:fillRect/>
+          </a:stretch>
+        </p:blipFill>
+        <p:spPr>
+          <a:xfrm>
+            <a:off x="204060" y="1421304"/>
+            <a:ext cx="5734671" cy="3152392"/>
+          </a:xfrm>
+          <a:prstGeom prst="rect">
+            <a:avLst/>
+          </a:prstGeom>
+        </p:spPr>
+      </p:pic>
+      <p:pic>
+        <p:nvPicPr>
+          <p:cNvPr id="14" name="Imagen 13" descr="Texto&#10;&#10;El contenido generado por IA puede ser incorrecto.">
+            <a:extLst>
+              <a:ext uri="{FF2B5EF4-FFF2-40B4-BE49-F238E27FC236}">
+                <a16:creationId xmlns:a16="http://schemas.microsoft.com/office/drawing/2014/main" id="{EEEE56E1-E96D-FA9B-236F-706EBBC5D90A}"/>
+              </a:ext>
+            </a:extLst>
+          </p:cNvPr>
+          <p:cNvPicPr>
+            <a:picLocks noChangeAspect="1"/>
+          </p:cNvPicPr>
+          <p:nvPr/>
+        </p:nvPicPr>
+        <p:blipFill>
+          <a:blip r:embed="rId11"/>
+          <a:stretch>
+            <a:fillRect/>
+          </a:stretch>
+        </p:blipFill>
+        <p:spPr>
+          <a:xfrm>
+            <a:off x="555793" y="2450296"/>
+            <a:ext cx="5448300" cy="3619500"/>
+          </a:xfrm>
+          <a:prstGeom prst="rect">
+            <a:avLst/>
+          </a:prstGeom>
+        </p:spPr>
+      </p:pic>
+      <p:pic>
+        <p:nvPicPr>
+          <p:cNvPr id="17" name="Imagen 16" descr="Texto&#10;&#10;El contenido generado por IA puede ser incorrecto.">
+            <a:extLst>
+              <a:ext uri="{FF2B5EF4-FFF2-40B4-BE49-F238E27FC236}">
+                <a16:creationId xmlns:a16="http://schemas.microsoft.com/office/drawing/2014/main" id="{AA956FA2-AD7C-EFF5-F77A-91C4C8730156}"/>
+              </a:ext>
+            </a:extLst>
+          </p:cNvPr>
+          <p:cNvPicPr>
+            <a:picLocks noChangeAspect="1"/>
+          </p:cNvPicPr>
+          <p:nvPr/>
+        </p:nvPicPr>
+        <p:blipFill>
+          <a:blip r:embed="rId12"/>
+          <a:stretch>
+            <a:fillRect/>
+          </a:stretch>
+        </p:blipFill>
+        <p:spPr>
+          <a:xfrm>
+            <a:off x="6290464" y="2168683"/>
+            <a:ext cx="6000750" cy="3705225"/>
+          </a:xfrm>
+          <a:prstGeom prst="rect">
+            <a:avLst/>
+          </a:prstGeom>
+        </p:spPr>
+      </p:pic>
     </p:spTree>
     <p:extLst>
       <p:ext uri="{BB962C8B-B14F-4D97-AF65-F5344CB8AC3E}">
